--- a/github vs gitlab.pptx
+++ b/github vs gitlab.pptx
@@ -202,7 +202,7 @@
           <a:p>
             <a:fld id="{528BED38-EF0D-4224-8B4B-38C66ECA177E}" type="datetimeFigureOut">
               <a:rPr lang="ko-KR" altLang="en-US" smtClean="0"/>
-              <a:t>2019-12-10</a:t>
+              <a:t>2019-12-11</a:t>
             </a:fld>
             <a:endParaRPr lang="ko-KR" altLang="en-US"/>
           </a:p>
@@ -600,7 +600,7 @@
           <a:p>
             <a:fld id="{555D9A5C-E854-4149-A726-A20DDD26ED69}" type="datetimeFigureOut">
               <a:rPr lang="ko-KR" altLang="en-US" smtClean="0"/>
-              <a:t>2019-12-10</a:t>
+              <a:t>2019-12-11</a:t>
             </a:fld>
             <a:endParaRPr lang="ko-KR" altLang="en-US"/>
           </a:p>
@@ -770,7 +770,7 @@
           <a:p>
             <a:fld id="{555D9A5C-E854-4149-A726-A20DDD26ED69}" type="datetimeFigureOut">
               <a:rPr lang="ko-KR" altLang="en-US" smtClean="0"/>
-              <a:t>2019-12-10</a:t>
+              <a:t>2019-12-11</a:t>
             </a:fld>
             <a:endParaRPr lang="ko-KR" altLang="en-US"/>
           </a:p>
@@ -950,7 +950,7 @@
           <a:p>
             <a:fld id="{555D9A5C-E854-4149-A726-A20DDD26ED69}" type="datetimeFigureOut">
               <a:rPr lang="ko-KR" altLang="en-US" smtClean="0"/>
-              <a:t>2019-12-10</a:t>
+              <a:t>2019-12-11</a:t>
             </a:fld>
             <a:endParaRPr lang="ko-KR" altLang="en-US"/>
           </a:p>
@@ -1120,7 +1120,7 @@
           <a:p>
             <a:fld id="{555D9A5C-E854-4149-A726-A20DDD26ED69}" type="datetimeFigureOut">
               <a:rPr lang="ko-KR" altLang="en-US" smtClean="0"/>
-              <a:t>2019-12-10</a:t>
+              <a:t>2019-12-11</a:t>
             </a:fld>
             <a:endParaRPr lang="ko-KR" altLang="en-US"/>
           </a:p>
@@ -1364,7 +1364,7 @@
           <a:p>
             <a:fld id="{555D9A5C-E854-4149-A726-A20DDD26ED69}" type="datetimeFigureOut">
               <a:rPr lang="ko-KR" altLang="en-US" smtClean="0"/>
-              <a:t>2019-12-10</a:t>
+              <a:t>2019-12-11</a:t>
             </a:fld>
             <a:endParaRPr lang="ko-KR" altLang="en-US"/>
           </a:p>
@@ -1596,7 +1596,7 @@
           <a:p>
             <a:fld id="{555D9A5C-E854-4149-A726-A20DDD26ED69}" type="datetimeFigureOut">
               <a:rPr lang="ko-KR" altLang="en-US" smtClean="0"/>
-              <a:t>2019-12-10</a:t>
+              <a:t>2019-12-11</a:t>
             </a:fld>
             <a:endParaRPr lang="ko-KR" altLang="en-US"/>
           </a:p>
@@ -1963,7 +1963,7 @@
           <a:p>
             <a:fld id="{555D9A5C-E854-4149-A726-A20DDD26ED69}" type="datetimeFigureOut">
               <a:rPr lang="ko-KR" altLang="en-US" smtClean="0"/>
-              <a:t>2019-12-10</a:t>
+              <a:t>2019-12-11</a:t>
             </a:fld>
             <a:endParaRPr lang="ko-KR" altLang="en-US"/>
           </a:p>
@@ -2081,7 +2081,7 @@
           <a:p>
             <a:fld id="{555D9A5C-E854-4149-A726-A20DDD26ED69}" type="datetimeFigureOut">
               <a:rPr lang="ko-KR" altLang="en-US" smtClean="0"/>
-              <a:t>2019-12-10</a:t>
+              <a:t>2019-12-11</a:t>
             </a:fld>
             <a:endParaRPr lang="ko-KR" altLang="en-US"/>
           </a:p>
@@ -2176,7 +2176,7 @@
           <a:p>
             <a:fld id="{555D9A5C-E854-4149-A726-A20DDD26ED69}" type="datetimeFigureOut">
               <a:rPr lang="ko-KR" altLang="en-US" smtClean="0"/>
-              <a:t>2019-12-10</a:t>
+              <a:t>2019-12-11</a:t>
             </a:fld>
             <a:endParaRPr lang="ko-KR" altLang="en-US"/>
           </a:p>
@@ -2453,7 +2453,7 @@
           <a:p>
             <a:fld id="{555D9A5C-E854-4149-A726-A20DDD26ED69}" type="datetimeFigureOut">
               <a:rPr lang="ko-KR" altLang="en-US" smtClean="0"/>
-              <a:t>2019-12-10</a:t>
+              <a:t>2019-12-11</a:t>
             </a:fld>
             <a:endParaRPr lang="ko-KR" altLang="en-US"/>
           </a:p>
@@ -2710,7 +2710,7 @@
           <a:p>
             <a:fld id="{555D9A5C-E854-4149-A726-A20DDD26ED69}" type="datetimeFigureOut">
               <a:rPr lang="ko-KR" altLang="en-US" smtClean="0"/>
-              <a:t>2019-12-10</a:t>
+              <a:t>2019-12-11</a:t>
             </a:fld>
             <a:endParaRPr lang="ko-KR" altLang="en-US"/>
           </a:p>
@@ -2923,7 +2923,7 @@
           <a:p>
             <a:fld id="{555D9A5C-E854-4149-A726-A20DDD26ED69}" type="datetimeFigureOut">
               <a:rPr lang="ko-KR" altLang="en-US" smtClean="0"/>
-              <a:t>2019-12-10</a:t>
+              <a:t>2019-12-11</a:t>
             </a:fld>
             <a:endParaRPr lang="ko-KR" altLang="en-US"/>
           </a:p>
@@ -4658,9 +4658,9 @@
         <p:grpSpPr>
           <a:xfrm>
             <a:off x="3524772" y="4953000"/>
-            <a:ext cx="3237978" cy="2586541"/>
+            <a:ext cx="3237978" cy="1963037"/>
             <a:chOff x="3543822" y="4485181"/>
-            <a:chExt cx="3237978" cy="2586541"/>
+            <a:chExt cx="3237978" cy="1963037"/>
           </a:xfrm>
         </p:grpSpPr>
         <p:sp>
@@ -4743,7 +4743,7 @@
           <p:spPr>
             <a:xfrm>
               <a:off x="3600972" y="4953000"/>
-              <a:ext cx="3180828" cy="2118722"/>
+              <a:ext cx="3180828" cy="1495218"/>
             </a:xfrm>
             <a:prstGeom prst="rect">
               <a:avLst/>
@@ -4890,7 +4890,17 @@
                     </a:schemeClr>
                   </a:solidFill>
                 </a:rPr>
-                <a:t>자제 호스팅을 통해 코드 비공개 유지</a:t>
+                <a:t>자제 호스팅을 통해 코드 </a:t>
+              </a:r>
+              <a:r>
+                <a:rPr lang="ko-KR" altLang="en-US" sz="1013">
+                  <a:solidFill>
+                    <a:schemeClr val="bg2">
+                      <a:lumMod val="25000"/>
+                    </a:schemeClr>
+                  </a:solidFill>
+                </a:rPr>
+                <a:t>비공개 유지</a:t>
               </a:r>
               <a:endParaRPr lang="en-US" altLang="ko-KR" sz="1013" dirty="0">
                 <a:solidFill>
@@ -4977,112 +4987,6 @@
                   </a:solidFill>
                 </a:rPr>
                 <a:t>시스템 제공</a:t>
-              </a:r>
-              <a:endParaRPr lang="en-US" altLang="ko-KR" sz="1013" dirty="0">
-                <a:solidFill>
-                  <a:schemeClr val="bg2">
-                    <a:lumMod val="25000"/>
-                  </a:schemeClr>
-                </a:solidFill>
-              </a:endParaRPr>
-            </a:p>
-            <a:p>
-              <a:endParaRPr lang="en-US" altLang="ko-KR" sz="1013" dirty="0">
-                <a:solidFill>
-                  <a:schemeClr val="bg2">
-                    <a:lumMod val="25000"/>
-                  </a:schemeClr>
-                </a:solidFill>
-              </a:endParaRPr>
-            </a:p>
-            <a:p>
-              <a:r>
-                <a:rPr lang="ko-KR" altLang="en-US" sz="1013" dirty="0" err="1">
-                  <a:solidFill>
-                    <a:schemeClr val="bg2">
-                      <a:lumMod val="25000"/>
-                    </a:schemeClr>
-                  </a:solidFill>
-                </a:rPr>
-                <a:t>리포지토리의</a:t>
-              </a:r>
-              <a:r>
-                <a:rPr lang="ko-KR" altLang="en-US" sz="1013" dirty="0">
-                  <a:solidFill>
-                    <a:schemeClr val="bg2">
-                      <a:lumMod val="25000"/>
-                    </a:schemeClr>
-                  </a:solidFill>
-                </a:rPr>
-                <a:t> </a:t>
-              </a:r>
-              <a:r>
-                <a:rPr lang="en-US" altLang="ko-KR" sz="1013" dirty="0">
-                  <a:solidFill>
-                    <a:schemeClr val="bg2">
-                      <a:lumMod val="25000"/>
-                    </a:schemeClr>
-                  </a:solidFill>
-                </a:rPr>
-                <a:t>Push Pull </a:t>
-              </a:r>
-              <a:r>
-                <a:rPr lang="ko-KR" altLang="en-US" sz="1013" dirty="0">
-                  <a:solidFill>
-                    <a:schemeClr val="bg2">
-                      <a:lumMod val="25000"/>
-                    </a:schemeClr>
-                  </a:solidFill>
-                </a:rPr>
-                <a:t>동작이 </a:t>
-              </a:r>
-              <a:r>
-                <a:rPr lang="en-US" altLang="ko-KR" sz="1013" dirty="0" err="1">
-                  <a:solidFill>
-                    <a:schemeClr val="bg2">
-                      <a:lumMod val="25000"/>
-                    </a:schemeClr>
-                  </a:solidFill>
-                </a:rPr>
-                <a:t>Github</a:t>
-              </a:r>
-              <a:r>
-                <a:rPr lang="ko-KR" altLang="en-US" sz="1013" dirty="0">
-                  <a:solidFill>
-                    <a:schemeClr val="bg2">
-                      <a:lumMod val="25000"/>
-                    </a:schemeClr>
-                  </a:solidFill>
-                </a:rPr>
-                <a:t>에 비해 느림</a:t>
-              </a:r>
-              <a:endParaRPr lang="en-US" altLang="ko-KR" sz="1013" dirty="0">
-                <a:solidFill>
-                  <a:schemeClr val="bg2">
-                    <a:lumMod val="25000"/>
-                  </a:schemeClr>
-                </a:solidFill>
-              </a:endParaRPr>
-            </a:p>
-            <a:p>
-              <a:endParaRPr lang="en-US" altLang="ko-KR" sz="1013" dirty="0">
-                <a:solidFill>
-                  <a:schemeClr val="bg2">
-                    <a:lumMod val="25000"/>
-                  </a:schemeClr>
-                </a:solidFill>
-              </a:endParaRPr>
-            </a:p>
-            <a:p>
-              <a:r>
-                <a:rPr lang="ko-KR" altLang="en-US" sz="1013" dirty="0">
-                  <a:solidFill>
-                    <a:schemeClr val="bg2">
-                      <a:lumMod val="25000"/>
-                    </a:schemeClr>
-                  </a:solidFill>
-                </a:rPr>
-                <a:t>인터페이스 페이지 전환에 시간이 걸림</a:t>
               </a:r>
               <a:endParaRPr lang="en-US" altLang="ko-KR" sz="1013" dirty="0">
                 <a:solidFill>
